--- a/HW4/HW4_diagram.pptx
+++ b/HW4/HW4_diagram.pptx
@@ -107,6 +107,11 @@
       </a:defRPr>
     </a:lvl9pPr>
   </p:defaultTextStyle>
+  <p:extLst>
+    <p:ext uri="{EFAFB233-063F-42B5-8137-9DF3F51BA10A}">
+      <p15:sldGuideLst xmlns:p15="http://schemas.microsoft.com/office/powerpoint/2012/main"/>
+    </p:ext>
+  </p:extLst>
 </p:presentation>
 </file>
 
@@ -257,7 +262,7 @@
           <a:p>
             <a:fld id="{D7738219-AB3B-4F77-91F4-FD437CFD5928}" type="datetimeFigureOut">
               <a:rPr lang="zh-CN" altLang="en-US" smtClean="0"/>
-              <a:t>2025/2/15</a:t>
+              <a:t>2025/3/9</a:t>
             </a:fld>
             <a:endParaRPr lang="zh-CN" altLang="en-US"/>
           </a:p>
@@ -455,7 +460,7 @@
           <a:p>
             <a:fld id="{D7738219-AB3B-4F77-91F4-FD437CFD5928}" type="datetimeFigureOut">
               <a:rPr lang="zh-CN" altLang="en-US" smtClean="0"/>
-              <a:t>2025/2/15</a:t>
+              <a:t>2025/3/9</a:t>
             </a:fld>
             <a:endParaRPr lang="zh-CN" altLang="en-US"/>
           </a:p>
@@ -663,7 +668,7 @@
           <a:p>
             <a:fld id="{D7738219-AB3B-4F77-91F4-FD437CFD5928}" type="datetimeFigureOut">
               <a:rPr lang="zh-CN" altLang="en-US" smtClean="0"/>
-              <a:t>2025/2/15</a:t>
+              <a:t>2025/3/9</a:t>
             </a:fld>
             <a:endParaRPr lang="zh-CN" altLang="en-US"/>
           </a:p>
@@ -861,7 +866,7 @@
           <a:p>
             <a:fld id="{D7738219-AB3B-4F77-91F4-FD437CFD5928}" type="datetimeFigureOut">
               <a:rPr lang="zh-CN" altLang="en-US" smtClean="0"/>
-              <a:t>2025/2/15</a:t>
+              <a:t>2025/3/9</a:t>
             </a:fld>
             <a:endParaRPr lang="zh-CN" altLang="en-US"/>
           </a:p>
@@ -1136,7 +1141,7 @@
           <a:p>
             <a:fld id="{D7738219-AB3B-4F77-91F4-FD437CFD5928}" type="datetimeFigureOut">
               <a:rPr lang="zh-CN" altLang="en-US" smtClean="0"/>
-              <a:t>2025/2/15</a:t>
+              <a:t>2025/3/9</a:t>
             </a:fld>
             <a:endParaRPr lang="zh-CN" altLang="en-US"/>
           </a:p>
@@ -1401,7 +1406,7 @@
           <a:p>
             <a:fld id="{D7738219-AB3B-4F77-91F4-FD437CFD5928}" type="datetimeFigureOut">
               <a:rPr lang="zh-CN" altLang="en-US" smtClean="0"/>
-              <a:t>2025/2/15</a:t>
+              <a:t>2025/3/9</a:t>
             </a:fld>
             <a:endParaRPr lang="zh-CN" altLang="en-US"/>
           </a:p>
@@ -1813,7 +1818,7 @@
           <a:p>
             <a:fld id="{D7738219-AB3B-4F77-91F4-FD437CFD5928}" type="datetimeFigureOut">
               <a:rPr lang="zh-CN" altLang="en-US" smtClean="0"/>
-              <a:t>2025/2/15</a:t>
+              <a:t>2025/3/9</a:t>
             </a:fld>
             <a:endParaRPr lang="zh-CN" altLang="en-US"/>
           </a:p>
@@ -1954,7 +1959,7 @@
           <a:p>
             <a:fld id="{D7738219-AB3B-4F77-91F4-FD437CFD5928}" type="datetimeFigureOut">
               <a:rPr lang="zh-CN" altLang="en-US" smtClean="0"/>
-              <a:t>2025/2/15</a:t>
+              <a:t>2025/3/9</a:t>
             </a:fld>
             <a:endParaRPr lang="zh-CN" altLang="en-US"/>
           </a:p>
@@ -2067,7 +2072,7 @@
           <a:p>
             <a:fld id="{D7738219-AB3B-4F77-91F4-FD437CFD5928}" type="datetimeFigureOut">
               <a:rPr lang="zh-CN" altLang="en-US" smtClean="0"/>
-              <a:t>2025/2/15</a:t>
+              <a:t>2025/3/9</a:t>
             </a:fld>
             <a:endParaRPr lang="zh-CN" altLang="en-US"/>
           </a:p>
@@ -2378,7 +2383,7 @@
           <a:p>
             <a:fld id="{D7738219-AB3B-4F77-91F4-FD437CFD5928}" type="datetimeFigureOut">
               <a:rPr lang="zh-CN" altLang="en-US" smtClean="0"/>
-              <a:t>2025/2/15</a:t>
+              <a:t>2025/3/9</a:t>
             </a:fld>
             <a:endParaRPr lang="zh-CN" altLang="en-US"/>
           </a:p>
@@ -2666,7 +2671,7 @@
           <a:p>
             <a:fld id="{D7738219-AB3B-4F77-91F4-FD437CFD5928}" type="datetimeFigureOut">
               <a:rPr lang="zh-CN" altLang="en-US" smtClean="0"/>
-              <a:t>2025/2/15</a:t>
+              <a:t>2025/3/9</a:t>
             </a:fld>
             <a:endParaRPr lang="zh-CN" altLang="en-US"/>
           </a:p>
@@ -2907,7 +2912,7 @@
           <a:p>
             <a:fld id="{D7738219-AB3B-4F77-91F4-FD437CFD5928}" type="datetimeFigureOut">
               <a:rPr lang="zh-CN" altLang="en-US" smtClean="0"/>
-              <a:t>2025/2/15</a:t>
+              <a:t>2025/3/9</a:t>
             </a:fld>
             <a:endParaRPr lang="zh-CN" altLang="en-US"/>
           </a:p>
@@ -10895,14 +10900,14 @@
           <p:nvPr>
             <p:extLst>
               <p:ext uri="{D42A27DB-BD31-4B8C-83A1-F6EECF244321}">
-                <p14:modId xmlns:p14="http://schemas.microsoft.com/office/powerpoint/2010/main" val="4138467526"/>
+                <p14:modId xmlns:p14="http://schemas.microsoft.com/office/powerpoint/2010/main" val="2986265252"/>
               </p:ext>
             </p:extLst>
           </p:nvPr>
         </p:nvGraphicFramePr>
         <p:xfrm>
-          <a:off x="457196" y="968949"/>
-          <a:ext cx="3816627" cy="1976562"/>
+          <a:off x="457196" y="934278"/>
+          <a:ext cx="3816627" cy="2011233"/>
         </p:xfrm>
         <a:graphic>
           <a:graphicData uri="http://schemas.openxmlformats.org/drawingml/2006/table">
@@ -10938,7 +10943,7 @@
                   </a:extLst>
                 </a:gridCol>
               </a:tblGrid>
-              <a:tr h="175260">
+              <a:tr h="209931">
                 <a:tc gridSpan="4">
                   <a:txBody>
                     <a:bodyPr/>
@@ -11403,7 +11408,7 @@
                     <a:p>
                       <a:pPr algn="l" fontAlgn="b"/>
                       <a:r>
-                        <a:rPr lang="en-US" sz="1100" b="0" i="0" u="none" strike="noStrike">
+                        <a:rPr lang="en-US" sz="1100" b="0" i="0" u="none" strike="noStrike" dirty="0">
                           <a:solidFill>
                             <a:srgbClr val="000000"/>
                           </a:solidFill>
@@ -11646,7 +11651,7 @@
                     <a:p>
                       <a:pPr algn="l" fontAlgn="b"/>
                       <a:r>
-                        <a:rPr lang="en-US" sz="1100" b="0" i="0" u="none" strike="noStrike">
+                        <a:rPr lang="en-US" sz="1100" b="0" i="0" u="none" strike="noStrike" dirty="0">
                           <a:solidFill>
                             <a:srgbClr val="000000"/>
                           </a:solidFill>
@@ -11886,7 +11891,7 @@
                     <a:p>
                       <a:pPr algn="l" fontAlgn="b"/>
                       <a:r>
-                        <a:rPr lang="en-US" sz="1100" b="0" i="0" u="none" strike="noStrike">
+                        <a:rPr lang="en-US" sz="1100" b="0" i="0" u="none" strike="noStrike" dirty="0">
                           <a:solidFill>
                             <a:srgbClr val="000000"/>
                           </a:solidFill>
@@ -12126,7 +12131,7 @@
                     <a:p>
                       <a:pPr algn="l" fontAlgn="b"/>
                       <a:r>
-                        <a:rPr lang="en-US" sz="1100" b="0" i="0" u="none" strike="noStrike">
+                        <a:rPr lang="en-US" sz="1100" b="0" i="0" u="none" strike="noStrike" dirty="0">
                           <a:solidFill>
                             <a:srgbClr val="000000"/>
                           </a:solidFill>
@@ -12248,7 +12253,7 @@
                     <a:p>
                       <a:pPr algn="l" fontAlgn="b"/>
                       <a:r>
-                        <a:rPr lang="en-US" sz="1100" b="0" i="0" u="none" strike="noStrike">
+                        <a:rPr lang="en-US" sz="1100" b="0" i="0" u="none" strike="noStrike" dirty="0">
                           <a:solidFill>
                             <a:srgbClr val="000000"/>
                           </a:solidFill>
@@ -12488,6 +12493,73 @@
                     <a:p>
                       <a:pPr algn="l" fontAlgn="b"/>
                       <a:r>
+                        <a:rPr lang="en-US" sz="1100" b="0" i="0" u="none" strike="noStrike" dirty="0" err="1">
+                          <a:solidFill>
+                            <a:srgbClr val="000000"/>
+                          </a:solidFill>
+                          <a:effectLst/>
+                          <a:latin typeface="等线" panose="02010600030101010101" pitchFamily="2" charset="-122"/>
+                          <a:ea typeface="等线" panose="02010600030101010101" pitchFamily="2" charset="-122"/>
+                        </a:rPr>
+                        <a:t>hire_date</a:t>
+                      </a:r>
+                      <a:endParaRPr lang="en-US" sz="1100" b="0" i="0" u="none" strike="noStrike" dirty="0">
+                        <a:solidFill>
+                          <a:srgbClr val="000000"/>
+                        </a:solidFill>
+                        <a:effectLst/>
+                        <a:latin typeface="等线" panose="02010600030101010101" pitchFamily="2" charset="-122"/>
+                        <a:ea typeface="等线" panose="02010600030101010101" pitchFamily="2" charset="-122"/>
+                      </a:endParaRPr>
+                    </a:p>
+                  </a:txBody>
+                  <a:tcPr marL="7620" marR="7620" marT="7620" marB="0" anchor="b">
+                    <a:lnL w="12700" cap="flat" cmpd="sng" algn="ctr">
+                      <a:solidFill>
+                        <a:schemeClr val="tx1"/>
+                      </a:solidFill>
+                      <a:prstDash val="solid"/>
+                      <a:round/>
+                      <a:headEnd type="none" w="med" len="med"/>
+                      <a:tailEnd type="none" w="med" len="med"/>
+                    </a:lnL>
+                    <a:lnR w="12700" cap="flat" cmpd="sng" algn="ctr">
+                      <a:solidFill>
+                        <a:schemeClr val="tx1"/>
+                      </a:solidFill>
+                      <a:prstDash val="solid"/>
+                      <a:round/>
+                      <a:headEnd type="none" w="med" len="med"/>
+                      <a:tailEnd type="none" w="med" len="med"/>
+                    </a:lnR>
+                    <a:lnT w="12700" cap="flat" cmpd="sng" algn="ctr">
+                      <a:solidFill>
+                        <a:schemeClr val="tx1"/>
+                      </a:solidFill>
+                      <a:prstDash val="solid"/>
+                      <a:round/>
+                      <a:headEnd type="none" w="med" len="med"/>
+                      <a:tailEnd type="none" w="med" len="med"/>
+                    </a:lnT>
+                    <a:lnB w="12700" cap="flat" cmpd="sng" algn="ctr">
+                      <a:solidFill>
+                        <a:schemeClr val="tx1"/>
+                      </a:solidFill>
+                      <a:prstDash val="solid"/>
+                      <a:round/>
+                      <a:headEnd type="none" w="med" len="med"/>
+                      <a:tailEnd type="none" w="med" len="med"/>
+                    </a:lnB>
+                    <a:noFill/>
+                  </a:tcPr>
+                </a:tc>
+                <a:tc>
+                  <a:txBody>
+                    <a:bodyPr/>
+                    <a:lstStyle/>
+                    <a:p>
+                      <a:pPr algn="l" fontAlgn="b"/>
+                      <a:r>
                         <a:rPr lang="en-US" sz="1100" b="0" i="0" u="none" strike="noStrike">
                           <a:solidFill>
                             <a:srgbClr val="000000"/>
@@ -12496,7 +12568,7 @@
                           <a:latin typeface="等线" panose="02010600030101010101" pitchFamily="2" charset="-122"/>
                           <a:ea typeface="等线" panose="02010600030101010101" pitchFamily="2" charset="-122"/>
                         </a:rPr>
-                        <a:t>hire_date</a:t>
+                        <a:t>date</a:t>
                       </a:r>
                     </a:p>
                   </a:txBody>
@@ -12547,66 +12619,7 @@
                     <a:p>
                       <a:pPr algn="l" fontAlgn="b"/>
                       <a:r>
-                        <a:rPr lang="en-US" sz="1100" b="0" i="0" u="none" strike="noStrike">
-                          <a:solidFill>
-                            <a:srgbClr val="000000"/>
-                          </a:solidFill>
-                          <a:effectLst/>
-                          <a:latin typeface="等线" panose="02010600030101010101" pitchFamily="2" charset="-122"/>
-                          <a:ea typeface="等线" panose="02010600030101010101" pitchFamily="2" charset="-122"/>
-                        </a:rPr>
-                        <a:t>date</a:t>
-                      </a:r>
-                    </a:p>
-                  </a:txBody>
-                  <a:tcPr marL="7620" marR="7620" marT="7620" marB="0" anchor="b">
-                    <a:lnL w="12700" cap="flat" cmpd="sng" algn="ctr">
-                      <a:solidFill>
-                        <a:schemeClr val="tx1"/>
-                      </a:solidFill>
-                      <a:prstDash val="solid"/>
-                      <a:round/>
-                      <a:headEnd type="none" w="med" len="med"/>
-                      <a:tailEnd type="none" w="med" len="med"/>
-                    </a:lnL>
-                    <a:lnR w="12700" cap="flat" cmpd="sng" algn="ctr">
-                      <a:solidFill>
-                        <a:schemeClr val="tx1"/>
-                      </a:solidFill>
-                      <a:prstDash val="solid"/>
-                      <a:round/>
-                      <a:headEnd type="none" w="med" len="med"/>
-                      <a:tailEnd type="none" w="med" len="med"/>
-                    </a:lnR>
-                    <a:lnT w="12700" cap="flat" cmpd="sng" algn="ctr">
-                      <a:solidFill>
-                        <a:schemeClr val="tx1"/>
-                      </a:solidFill>
-                      <a:prstDash val="solid"/>
-                      <a:round/>
-                      <a:headEnd type="none" w="med" len="med"/>
-                      <a:tailEnd type="none" w="med" len="med"/>
-                    </a:lnT>
-                    <a:lnB w="12700" cap="flat" cmpd="sng" algn="ctr">
-                      <a:solidFill>
-                        <a:schemeClr val="tx1"/>
-                      </a:solidFill>
-                      <a:prstDash val="solid"/>
-                      <a:round/>
-                      <a:headEnd type="none" w="med" len="med"/>
-                      <a:tailEnd type="none" w="med" len="med"/>
-                    </a:lnB>
-                    <a:noFill/>
-                  </a:tcPr>
-                </a:tc>
-                <a:tc>
-                  <a:txBody>
-                    <a:bodyPr/>
-                    <a:lstStyle/>
-                    <a:p>
-                      <a:pPr algn="l" fontAlgn="b"/>
-                      <a:r>
-                        <a:rPr lang="en-US" sz="1100" b="0" i="0" u="none" strike="noStrike">
+                        <a:rPr lang="en-US" sz="1100" b="0" i="0" u="none" strike="noStrike" dirty="0">
                           <a:solidFill>
                             <a:srgbClr val="000000"/>
                           </a:solidFill>
